--- a/The Invisible Stalker.pptx
+++ b/The Invisible Stalker.pptx
@@ -11,6 +11,7 @@
     <p:sldId id="259" r:id="rId5"/>
     <p:sldId id="260" r:id="rId6"/>
     <p:sldId id="261" r:id="rId7"/>
+    <p:sldId id="262" r:id="rId8"/>
   </p:sldIdLst>
   <p:sldSz cx="12192000" cy="6858000"/>
   <p:notesSz cx="6858000" cy="9144000"/>
@@ -109,6 +110,11 @@
       </a:defRPr>
     </a:lvl9pPr>
   </p:defaultTextStyle>
+  <p:extLst>
+    <p:ext uri="{EFAFB233-063F-42B5-8137-9DF3F51BA10A}">
+      <p15:sldGuideLst xmlns:p15="http://schemas.microsoft.com/office/powerpoint/2012/main"/>
+    </p:ext>
+  </p:extLst>
 </p:presentation>
 </file>
 
@@ -3579,7 +3585,13 @@
           <a:bodyPr/>
           <a:lstStyle/>
           <a:p>
-            <a:endParaRPr lang="en-US"/>
+            <a:pPr marL="0" indent="0">
+              <a:buNone/>
+            </a:pPr>
+            <a:r>
+              <a:rPr lang="en-US" dirty="0"/>
+              <a:t>The Invisible Stalker is a game that utilizes audio to locate an invisible enemy that is random placed on a grid. The player must locate the enemy and make their spaces overlap to beat the enemy. This game is turn based. At the start of each turn the enemy will move one square, making a sound relative to the floor material, while the player moves 2 squares. Depending on the player’s orientation, the sound will be heard from the left, right, front, or back. The player will use the direction of the sound and the material the sound resembles to determine the location of the enemy. If the player can’t find the enemy before running out of turns, the enemy escapes and the level ends.</a:t>
+            </a:r>
           </a:p>
         </p:txBody>
       </p:sp>
@@ -3665,31 +3677,25 @@
           <a:p>
             <a:r>
               <a:rPr lang="en-US" dirty="0"/>
-              <a:t>4 x 4</a:t>
+              <a:t>Grid Size: 4 x 4</a:t>
             </a:r>
           </a:p>
           <a:p>
             <a:r>
               <a:rPr lang="en-US" dirty="0"/>
-              <a:t>Possibly 2 textures of ground</a:t>
+              <a:t>Possibility of 2 floor materials</a:t>
             </a:r>
           </a:p>
           <a:p>
             <a:r>
               <a:rPr lang="en-US" dirty="0"/>
-              <a:t>Use either AWSD or up, down, left, right to move</a:t>
+              <a:t>Win: Find stalker</a:t>
             </a:r>
           </a:p>
           <a:p>
             <a:r>
               <a:rPr lang="en-US" dirty="0"/>
-              <a:t>Find stalker to win</a:t>
-            </a:r>
-          </a:p>
-          <a:p>
-            <a:r>
-              <a:rPr lang="en-US" dirty="0"/>
-              <a:t>Lose if out of turns</a:t>
+              <a:t>Lose: run out of turns</a:t>
             </a:r>
           </a:p>
         </p:txBody>
@@ -3821,38 +3827,26 @@
           <a:p>
             <a:r>
               <a:rPr lang="en-US" dirty="0"/>
-              <a:t>6 x 6</a:t>
+              <a:t>Grid size: 6 x 6</a:t>
             </a:r>
           </a:p>
           <a:p>
             <a:r>
               <a:rPr lang="en-US" dirty="0"/>
-              <a:t>Possibly 3 textures</a:t>
+              <a:t>Possibility of 3 floor materials</a:t>
             </a:r>
           </a:p>
           <a:p>
             <a:r>
               <a:rPr lang="en-US" dirty="0"/>
-              <a:t>Use ASWD or up, down, left, down</a:t>
+              <a:t>Win: find sword, then stalker</a:t>
             </a:r>
           </a:p>
           <a:p>
             <a:r>
               <a:rPr lang="en-US" dirty="0"/>
-              <a:t>To win: find sword and then stalker</a:t>
-            </a:r>
-          </a:p>
-          <a:p>
-            <a:r>
-              <a:rPr lang="en-US" dirty="0"/>
-              <a:t>To lose: find stalker without sword or turns run out</a:t>
-            </a:r>
-          </a:p>
-          <a:p>
-            <a:endParaRPr lang="en-US" dirty="0"/>
-          </a:p>
-          <a:p>
-            <a:endParaRPr lang="en-US" dirty="0"/>
+              <a:t>Lose: find stalker without sword or run out of turns</a:t>
+            </a:r>
           </a:p>
         </p:txBody>
       </p:sp>
@@ -3990,38 +3984,26 @@
           <a:p>
             <a:r>
               <a:rPr lang="en-US" dirty="0"/>
-              <a:t>8 x 8</a:t>
+              <a:t>Grid size: 8 x 8</a:t>
             </a:r>
           </a:p>
           <a:p>
             <a:r>
               <a:rPr lang="en-US" dirty="0"/>
-              <a:t>Possibly 3 textures</a:t>
+              <a:t>Possibility 3 floor materials</a:t>
             </a:r>
           </a:p>
           <a:p>
             <a:r>
               <a:rPr lang="en-US" dirty="0"/>
-              <a:t>Use ASWD or up, down, left, down</a:t>
+              <a:t>Win: use the sword on stalker, find key on stalker, use key on door</a:t>
             </a:r>
           </a:p>
           <a:p>
             <a:r>
               <a:rPr lang="en-US" dirty="0"/>
-              <a:t>To win: find key, sword and then stalker</a:t>
-            </a:r>
-          </a:p>
-          <a:p>
-            <a:r>
-              <a:rPr lang="en-US" dirty="0"/>
-              <a:t>To lose: find stalker without sword and key or turns run out</a:t>
-            </a:r>
-          </a:p>
-          <a:p>
-            <a:endParaRPr lang="en-US" dirty="0"/>
-          </a:p>
-          <a:p>
-            <a:endParaRPr lang="en-US" dirty="0"/>
+              <a:t>Lose: find stalker without sword  or run out of turns</a:t>
+            </a:r>
           </a:p>
         </p:txBody>
       </p:sp>
@@ -4080,6 +4062,13 @@
             <a:r>
               <a:rPr lang="en-US" dirty="0"/>
               <a:t>Key</a:t>
+            </a:r>
+          </a:p>
+          <a:p>
+            <a:pPr algn="ctr"/>
+            <a:r>
+              <a:rPr lang="en-US" dirty="0"/>
+              <a:t>Door</a:t>
             </a:r>
           </a:p>
         </p:txBody>
@@ -4088,6 +4077,114 @@
     <p:extLst>
       <p:ext uri="{BB962C8B-B14F-4D97-AF65-F5344CB8AC3E}">
         <p14:creationId xmlns:p14="http://schemas.microsoft.com/office/powerpoint/2010/main" val="755486873"/>
+      </p:ext>
+    </p:extLst>
+  </p:cSld>
+  <p:clrMapOvr>
+    <a:masterClrMapping/>
+  </p:clrMapOvr>
+</p:sld>
+</file>
+
+<file path=ppt/slides/slide7.xml><?xml version="1.0" encoding="utf-8"?>
+<p:sld xmlns:a="http://schemas.openxmlformats.org/drawingml/2006/main" xmlns:r="http://schemas.openxmlformats.org/officeDocument/2006/relationships" xmlns:p="http://schemas.openxmlformats.org/presentationml/2006/main">
+  <p:cSld>
+    <p:spTree>
+      <p:nvGrpSpPr>
+        <p:cNvPr id="1" name=""/>
+        <p:cNvGrpSpPr/>
+        <p:nvPr/>
+      </p:nvGrpSpPr>
+      <p:grpSpPr>
+        <a:xfrm>
+          <a:off x="0" y="0"/>
+          <a:ext cx="0" cy="0"/>
+          <a:chOff x="0" y="0"/>
+          <a:chExt cx="0" cy="0"/>
+        </a:xfrm>
+      </p:grpSpPr>
+      <p:sp>
+        <p:nvSpPr>
+          <p:cNvPr id="2" name="Title 1">
+            <a:extLst>
+              <a:ext uri="{FF2B5EF4-FFF2-40B4-BE49-F238E27FC236}">
+                <a16:creationId xmlns:a16="http://schemas.microsoft.com/office/drawing/2014/main" id="{4200366F-243C-480A-A4D2-3241E36ED1F3}"/>
+              </a:ext>
+            </a:extLst>
+          </p:cNvPr>
+          <p:cNvSpPr>
+            <a:spLocks noGrp="1"/>
+          </p:cNvSpPr>
+          <p:nvPr>
+            <p:ph type="title"/>
+          </p:nvPr>
+        </p:nvSpPr>
+        <p:spPr/>
+        <p:txBody>
+          <a:bodyPr/>
+          <a:lstStyle/>
+          <a:p>
+            <a:pPr algn="ctr"/>
+            <a:r>
+              <a:rPr lang="en-US" dirty="0"/>
+              <a:t>Power Ups</a:t>
+            </a:r>
+          </a:p>
+        </p:txBody>
+      </p:sp>
+      <p:sp>
+        <p:nvSpPr>
+          <p:cNvPr id="3" name="Content Placeholder 2">
+            <a:extLst>
+              <a:ext uri="{FF2B5EF4-FFF2-40B4-BE49-F238E27FC236}">
+                <a16:creationId xmlns:a16="http://schemas.microsoft.com/office/drawing/2014/main" id="{A03B3E1E-AFFC-4461-A64D-98292499DD25}"/>
+              </a:ext>
+            </a:extLst>
+          </p:cNvPr>
+          <p:cNvSpPr>
+            <a:spLocks noGrp="1"/>
+          </p:cNvSpPr>
+          <p:nvPr>
+            <p:ph idx="1"/>
+          </p:nvPr>
+        </p:nvSpPr>
+        <p:spPr/>
+        <p:txBody>
+          <a:bodyPr/>
+          <a:lstStyle/>
+          <a:p>
+            <a:pPr marL="0" indent="0">
+              <a:buNone/>
+            </a:pPr>
+            <a:r>
+              <a:rPr lang="en-US" dirty="0"/>
+              <a:t>Power ups will sometimes spawn on the grip. The power ups are collected by colliding with them. Use the space bar to activate the power. Below are the durations and descriptions of each power. You can only carry one power at a time.</a:t>
+            </a:r>
+          </a:p>
+          <a:p>
+            <a:r>
+              <a:rPr lang="en-US" dirty="0"/>
+              <a:t>Ping: one time use, reveals location of stalker for one turn</a:t>
+            </a:r>
+          </a:p>
+          <a:p>
+            <a:r>
+              <a:rPr lang="en-US" dirty="0"/>
+              <a:t>Boots: 3 turns, increases movement from 2 to 3</a:t>
+            </a:r>
+          </a:p>
+          <a:p>
+            <a:r>
+              <a:rPr lang="en-US" dirty="0"/>
+              <a:t>Leap: one time use, will propel you forward 2 squares in the direction you are facing</a:t>
+            </a:r>
+          </a:p>
+        </p:txBody>
+      </p:sp>
+    </p:spTree>
+    <p:extLst>
+      <p:ext uri="{BB962C8B-B14F-4D97-AF65-F5344CB8AC3E}">
+        <p14:creationId xmlns:p14="http://schemas.microsoft.com/office/powerpoint/2010/main" val="3393083883"/>
       </p:ext>
     </p:extLst>
   </p:cSld>

--- a/The Invisible Stalker.pptx
+++ b/The Invisible Stalker.pptx
@@ -8,10 +8,11 @@
     <p:sldId id="256" r:id="rId2"/>
     <p:sldId id="257" r:id="rId3"/>
     <p:sldId id="258" r:id="rId4"/>
-    <p:sldId id="259" r:id="rId5"/>
-    <p:sldId id="260" r:id="rId6"/>
-    <p:sldId id="261" r:id="rId7"/>
-    <p:sldId id="262" r:id="rId8"/>
+    <p:sldId id="263" r:id="rId5"/>
+    <p:sldId id="259" r:id="rId6"/>
+    <p:sldId id="260" r:id="rId7"/>
+    <p:sldId id="261" r:id="rId8"/>
+    <p:sldId id="262" r:id="rId9"/>
   </p:sldIdLst>
   <p:sldSz cx="12192000" cy="6858000"/>
   <p:notesSz cx="6858000" cy="9144000"/>
@@ -265,7 +266,7 @@
           <a:p>
             <a:fld id="{AB28FE0E-16AB-4CDC-A999-3E002218CACB}" type="datetimeFigureOut">
               <a:rPr lang="en-US" smtClean="0"/>
-              <a:t>12/16/2021</a:t>
+              <a:t>12/17/2021</a:t>
             </a:fld>
             <a:endParaRPr lang="en-US"/>
           </a:p>
@@ -463,7 +464,7 @@
           <a:p>
             <a:fld id="{AB28FE0E-16AB-4CDC-A999-3E002218CACB}" type="datetimeFigureOut">
               <a:rPr lang="en-US" smtClean="0"/>
-              <a:t>12/16/2021</a:t>
+              <a:t>12/17/2021</a:t>
             </a:fld>
             <a:endParaRPr lang="en-US"/>
           </a:p>
@@ -671,7 +672,7 @@
           <a:p>
             <a:fld id="{AB28FE0E-16AB-4CDC-A999-3E002218CACB}" type="datetimeFigureOut">
               <a:rPr lang="en-US" smtClean="0"/>
-              <a:t>12/16/2021</a:t>
+              <a:t>12/17/2021</a:t>
             </a:fld>
             <a:endParaRPr lang="en-US"/>
           </a:p>
@@ -869,7 +870,7 @@
           <a:p>
             <a:fld id="{AB28FE0E-16AB-4CDC-A999-3E002218CACB}" type="datetimeFigureOut">
               <a:rPr lang="en-US" smtClean="0"/>
-              <a:t>12/16/2021</a:t>
+              <a:t>12/17/2021</a:t>
             </a:fld>
             <a:endParaRPr lang="en-US"/>
           </a:p>
@@ -1144,7 +1145,7 @@
           <a:p>
             <a:fld id="{AB28FE0E-16AB-4CDC-A999-3E002218CACB}" type="datetimeFigureOut">
               <a:rPr lang="en-US" smtClean="0"/>
-              <a:t>12/16/2021</a:t>
+              <a:t>12/17/2021</a:t>
             </a:fld>
             <a:endParaRPr lang="en-US"/>
           </a:p>
@@ -1409,7 +1410,7 @@
           <a:p>
             <a:fld id="{AB28FE0E-16AB-4CDC-A999-3E002218CACB}" type="datetimeFigureOut">
               <a:rPr lang="en-US" smtClean="0"/>
-              <a:t>12/16/2021</a:t>
+              <a:t>12/17/2021</a:t>
             </a:fld>
             <a:endParaRPr lang="en-US"/>
           </a:p>
@@ -1821,7 +1822,7 @@
           <a:p>
             <a:fld id="{AB28FE0E-16AB-4CDC-A999-3E002218CACB}" type="datetimeFigureOut">
               <a:rPr lang="en-US" smtClean="0"/>
-              <a:t>12/16/2021</a:t>
+              <a:t>12/17/2021</a:t>
             </a:fld>
             <a:endParaRPr lang="en-US"/>
           </a:p>
@@ -1962,7 +1963,7 @@
           <a:p>
             <a:fld id="{AB28FE0E-16AB-4CDC-A999-3E002218CACB}" type="datetimeFigureOut">
               <a:rPr lang="en-US" smtClean="0"/>
-              <a:t>12/16/2021</a:t>
+              <a:t>12/17/2021</a:t>
             </a:fld>
             <a:endParaRPr lang="en-US"/>
           </a:p>
@@ -2075,7 +2076,7 @@
           <a:p>
             <a:fld id="{AB28FE0E-16AB-4CDC-A999-3E002218CACB}" type="datetimeFigureOut">
               <a:rPr lang="en-US" smtClean="0"/>
-              <a:t>12/16/2021</a:t>
+              <a:t>12/17/2021</a:t>
             </a:fld>
             <a:endParaRPr lang="en-US"/>
           </a:p>
@@ -2386,7 +2387,7 @@
           <a:p>
             <a:fld id="{AB28FE0E-16AB-4CDC-A999-3E002218CACB}" type="datetimeFigureOut">
               <a:rPr lang="en-US" smtClean="0"/>
-              <a:t>12/16/2021</a:t>
+              <a:t>12/17/2021</a:t>
             </a:fld>
             <a:endParaRPr lang="en-US"/>
           </a:p>
@@ -2674,7 +2675,7 @@
           <a:p>
             <a:fld id="{AB28FE0E-16AB-4CDC-A999-3E002218CACB}" type="datetimeFigureOut">
               <a:rPr lang="en-US" smtClean="0"/>
-              <a:t>12/16/2021</a:t>
+              <a:t>12/17/2021</a:t>
             </a:fld>
             <a:endParaRPr lang="en-US"/>
           </a:p>
@@ -2915,7 +2916,7 @@
           <a:p>
             <a:fld id="{AB28FE0E-16AB-4CDC-A999-3E002218CACB}" type="datetimeFigureOut">
               <a:rPr lang="en-US" smtClean="0"/>
-              <a:t>12/16/2021</a:t>
+              <a:t>12/17/2021</a:t>
             </a:fld>
             <a:endParaRPr lang="en-US"/>
           </a:p>
@@ -3630,7 +3631,7 @@
           <p:cNvPr id="2" name="Title 1">
             <a:extLst>
               <a:ext uri="{FF2B5EF4-FFF2-40B4-BE49-F238E27FC236}">
-                <a16:creationId xmlns:a16="http://schemas.microsoft.com/office/drawing/2014/main" id="{A30B917E-3C26-45F0-AC01-68BFB94B36F8}"/>
+                <a16:creationId xmlns:a16="http://schemas.microsoft.com/office/drawing/2014/main" id="{FFB0B78A-BCFB-424B-9727-4C5315227554}"/>
               </a:ext>
             </a:extLst>
           </p:cNvPr>
@@ -3649,98 +3650,38 @@
             <a:pPr algn="ctr"/>
             <a:r>
               <a:rPr lang="en-US" dirty="0"/>
-              <a:t>Easy</a:t>
-            </a:r>
-          </a:p>
-        </p:txBody>
-      </p:sp>
-      <p:sp>
-        <p:nvSpPr>
-          <p:cNvPr id="4" name="Content Placeholder 3">
-            <a:extLst>
-              <a:ext uri="{FF2B5EF4-FFF2-40B4-BE49-F238E27FC236}">
-                <a16:creationId xmlns:a16="http://schemas.microsoft.com/office/drawing/2014/main" id="{F66BC56D-83F9-4F6E-9E3E-7B54FB151519}"/>
-              </a:ext>
-            </a:extLst>
-          </p:cNvPr>
-          <p:cNvSpPr>
-            <a:spLocks noGrp="1"/>
-          </p:cNvSpPr>
-          <p:nvPr>
-            <p:ph sz="half" idx="1"/>
-          </p:nvPr>
-        </p:nvSpPr>
-        <p:spPr/>
-        <p:txBody>
-          <a:bodyPr/>
-          <a:lstStyle/>
-          <a:p>
+              <a:t>Grid Layout and Movement</a:t>
+            </a:r>
+          </a:p>
+        </p:txBody>
+      </p:sp>
+      <p:sp>
+        <p:nvSpPr>
+          <p:cNvPr id="3" name="Content Placeholder 2">
+            <a:extLst>
+              <a:ext uri="{FF2B5EF4-FFF2-40B4-BE49-F238E27FC236}">
+                <a16:creationId xmlns:a16="http://schemas.microsoft.com/office/drawing/2014/main" id="{F2A518E7-4A2B-4A0D-8D3E-9375545783C4}"/>
+              </a:ext>
+            </a:extLst>
+          </p:cNvPr>
+          <p:cNvSpPr>
+            <a:spLocks noGrp="1"/>
+          </p:cNvSpPr>
+          <p:nvPr>
+            <p:ph idx="1"/>
+          </p:nvPr>
+        </p:nvSpPr>
+        <p:spPr/>
+        <p:txBody>
+          <a:bodyPr/>
+          <a:lstStyle/>
+          <a:p>
+            <a:pPr marL="0" indent="0">
+              <a:buNone/>
+            </a:pPr>
             <a:r>
               <a:rPr lang="en-US" dirty="0"/>
-              <a:t>Grid Size: 4 x 4</a:t>
-            </a:r>
-          </a:p>
-          <a:p>
-            <a:r>
-              <a:rPr lang="en-US" dirty="0"/>
-              <a:t>Possibility of 2 floor materials</a:t>
-            </a:r>
-          </a:p>
-          <a:p>
-            <a:r>
-              <a:rPr lang="en-US" dirty="0"/>
-              <a:t>Win: Find stalker</a:t>
-            </a:r>
-          </a:p>
-          <a:p>
-            <a:r>
-              <a:rPr lang="en-US" dirty="0"/>
-              <a:t>Lose: run out of turns</a:t>
-            </a:r>
-          </a:p>
-        </p:txBody>
-      </p:sp>
-      <p:sp>
-        <p:nvSpPr>
-          <p:cNvPr id="5" name="Content Placeholder 4">
-            <a:extLst>
-              <a:ext uri="{FF2B5EF4-FFF2-40B4-BE49-F238E27FC236}">
-                <a16:creationId xmlns:a16="http://schemas.microsoft.com/office/drawing/2014/main" id="{406F47E4-763B-4CD8-9483-66879DF0CC35}"/>
-              </a:ext>
-            </a:extLst>
-          </p:cNvPr>
-          <p:cNvSpPr>
-            <a:spLocks noGrp="1"/>
-          </p:cNvSpPr>
-          <p:nvPr>
-            <p:ph sz="half" idx="2"/>
-          </p:nvPr>
-        </p:nvSpPr>
-        <p:spPr/>
-        <p:txBody>
-          <a:bodyPr/>
-          <a:lstStyle/>
-          <a:p>
-            <a:pPr marL="0" indent="0" algn="ctr">
-              <a:buNone/>
-            </a:pPr>
-            <a:r>
-              <a:rPr lang="en-US" b="1" u="sng" dirty="0"/>
-              <a:t>Characters</a:t>
-            </a:r>
-          </a:p>
-          <a:p>
-            <a:pPr algn="ctr"/>
-            <a:r>
-              <a:rPr lang="en-US" dirty="0"/>
-              <a:t>Player</a:t>
-            </a:r>
-          </a:p>
-          <a:p>
-            <a:pPr algn="ctr"/>
-            <a:r>
-              <a:rPr lang="en-US" dirty="0"/>
-              <a:t>Stalker</a:t>
+              <a:t>The grid will consist of one of three options depending on difficulty:4x4, 6x6, or 8x8. Each square will be made of one of the following materials: grass, wood, or stone. Materials will be placed in “clusters” that will contain 2-4 squares. Navigating the grid will require A,S,D,W or the LEFT, RIGHT, UP, and DOWN arrows. A, LEFT, D, and RIGHT will be used to turn left or right and will not count toward your movement. W and UP will be used for moving forward. S and DOWN will be used for moving backward. You can move two squares on a turn.</a:t>
             </a:r>
           </a:p>
         </p:txBody>
@@ -3748,7 +3689,7 @@
     </p:spTree>
     <p:extLst>
       <p:ext uri="{BB962C8B-B14F-4D97-AF65-F5344CB8AC3E}">
-        <p14:creationId xmlns:p14="http://schemas.microsoft.com/office/powerpoint/2010/main" val="362566508"/>
+        <p14:creationId xmlns:p14="http://schemas.microsoft.com/office/powerpoint/2010/main" val="3930859471"/>
       </p:ext>
     </p:extLst>
   </p:cSld>
@@ -3780,7 +3721,7 @@
           <p:cNvPr id="2" name="Title 1">
             <a:extLst>
               <a:ext uri="{FF2B5EF4-FFF2-40B4-BE49-F238E27FC236}">
-                <a16:creationId xmlns:a16="http://schemas.microsoft.com/office/drawing/2014/main" id="{B500AB53-5E3F-4365-95F8-1AFEFA1EF27D}"/>
+                <a16:creationId xmlns:a16="http://schemas.microsoft.com/office/drawing/2014/main" id="{A30B917E-3C26-45F0-AC01-68BFB94B36F8}"/>
               </a:ext>
             </a:extLst>
           </p:cNvPr>
@@ -3799,7 +3740,7 @@
             <a:pPr algn="ctr"/>
             <a:r>
               <a:rPr lang="en-US" dirty="0"/>
-              <a:t>Normal</a:t>
+              <a:t>Easy</a:t>
             </a:r>
           </a:p>
         </p:txBody>
@@ -3809,7 +3750,7 @@
           <p:cNvPr id="4" name="Content Placeholder 3">
             <a:extLst>
               <a:ext uri="{FF2B5EF4-FFF2-40B4-BE49-F238E27FC236}">
-                <a16:creationId xmlns:a16="http://schemas.microsoft.com/office/drawing/2014/main" id="{B2F77BC6-AB1C-42CF-91F7-2D97F1FFC909}"/>
+                <a16:creationId xmlns:a16="http://schemas.microsoft.com/office/drawing/2014/main" id="{F66BC56D-83F9-4F6E-9E3E-7B54FB151519}"/>
               </a:ext>
             </a:extLst>
           </p:cNvPr>
@@ -3827,25 +3768,25 @@
           <a:p>
             <a:r>
               <a:rPr lang="en-US" dirty="0"/>
-              <a:t>Grid size: 6 x 6</a:t>
+              <a:t>Grid Size: 4 x 4</a:t>
             </a:r>
           </a:p>
           <a:p>
             <a:r>
               <a:rPr lang="en-US" dirty="0"/>
-              <a:t>Possibility of 3 floor materials</a:t>
+              <a:t>Possibility of 2 floor materials</a:t>
             </a:r>
           </a:p>
           <a:p>
             <a:r>
               <a:rPr lang="en-US" dirty="0"/>
-              <a:t>Win: find sword, then stalker</a:t>
+              <a:t>Win: Find stalker</a:t>
             </a:r>
           </a:p>
           <a:p>
             <a:r>
               <a:rPr lang="en-US" dirty="0"/>
-              <a:t>Lose: find stalker without sword or run out of turns</a:t>
+              <a:t>Lose: run out of turns</a:t>
             </a:r>
           </a:p>
         </p:txBody>
@@ -3855,7 +3796,7 @@
           <p:cNvPr id="5" name="Content Placeholder 4">
             <a:extLst>
               <a:ext uri="{FF2B5EF4-FFF2-40B4-BE49-F238E27FC236}">
-                <a16:creationId xmlns:a16="http://schemas.microsoft.com/office/drawing/2014/main" id="{EAC0854D-B244-45C2-868B-45720CA75B31}"/>
+                <a16:creationId xmlns:a16="http://schemas.microsoft.com/office/drawing/2014/main" id="{406F47E4-763B-4CD8-9483-66879DF0CC35}"/>
               </a:ext>
             </a:extLst>
           </p:cNvPr>
@@ -3876,7 +3817,7 @@
             </a:pPr>
             <a:r>
               <a:rPr lang="en-US" b="1" u="sng" dirty="0"/>
-              <a:t>Characters/Objects</a:t>
+              <a:t>Characters</a:t>
             </a:r>
           </a:p>
           <a:p>
@@ -3891,13 +3832,6 @@
             <a:r>
               <a:rPr lang="en-US" dirty="0"/>
               <a:t>Stalker</a:t>
-            </a:r>
-          </a:p>
-          <a:p>
-            <a:pPr algn="ctr"/>
-            <a:r>
-              <a:rPr lang="en-US" dirty="0"/>
-              <a:t>Sword</a:t>
             </a:r>
           </a:p>
         </p:txBody>
@@ -3905,7 +3839,7 @@
     </p:spTree>
     <p:extLst>
       <p:ext uri="{BB962C8B-B14F-4D97-AF65-F5344CB8AC3E}">
-        <p14:creationId xmlns:p14="http://schemas.microsoft.com/office/powerpoint/2010/main" val="3271518336"/>
+        <p14:creationId xmlns:p14="http://schemas.microsoft.com/office/powerpoint/2010/main" val="362566508"/>
       </p:ext>
     </p:extLst>
   </p:cSld>
@@ -3956,6 +3890,163 @@
             <a:pPr algn="ctr"/>
             <a:r>
               <a:rPr lang="en-US" dirty="0"/>
+              <a:t>Normal</a:t>
+            </a:r>
+          </a:p>
+        </p:txBody>
+      </p:sp>
+      <p:sp>
+        <p:nvSpPr>
+          <p:cNvPr id="4" name="Content Placeholder 3">
+            <a:extLst>
+              <a:ext uri="{FF2B5EF4-FFF2-40B4-BE49-F238E27FC236}">
+                <a16:creationId xmlns:a16="http://schemas.microsoft.com/office/drawing/2014/main" id="{B2F77BC6-AB1C-42CF-91F7-2D97F1FFC909}"/>
+              </a:ext>
+            </a:extLst>
+          </p:cNvPr>
+          <p:cNvSpPr>
+            <a:spLocks noGrp="1"/>
+          </p:cNvSpPr>
+          <p:nvPr>
+            <p:ph sz="half" idx="1"/>
+          </p:nvPr>
+        </p:nvSpPr>
+        <p:spPr/>
+        <p:txBody>
+          <a:bodyPr/>
+          <a:lstStyle/>
+          <a:p>
+            <a:r>
+              <a:rPr lang="en-US" dirty="0"/>
+              <a:t>Grid size: 6 x 6</a:t>
+            </a:r>
+          </a:p>
+          <a:p>
+            <a:r>
+              <a:rPr lang="en-US" dirty="0"/>
+              <a:t>Possibility of 3 floor materials</a:t>
+            </a:r>
+          </a:p>
+          <a:p>
+            <a:r>
+              <a:rPr lang="en-US" dirty="0"/>
+              <a:t>Win: find sword, then stalker</a:t>
+            </a:r>
+          </a:p>
+          <a:p>
+            <a:r>
+              <a:rPr lang="en-US" dirty="0"/>
+              <a:t>Lose: find stalker without sword or run out of turns</a:t>
+            </a:r>
+          </a:p>
+        </p:txBody>
+      </p:sp>
+      <p:sp>
+        <p:nvSpPr>
+          <p:cNvPr id="5" name="Content Placeholder 4">
+            <a:extLst>
+              <a:ext uri="{FF2B5EF4-FFF2-40B4-BE49-F238E27FC236}">
+                <a16:creationId xmlns:a16="http://schemas.microsoft.com/office/drawing/2014/main" id="{EAC0854D-B244-45C2-868B-45720CA75B31}"/>
+              </a:ext>
+            </a:extLst>
+          </p:cNvPr>
+          <p:cNvSpPr>
+            <a:spLocks noGrp="1"/>
+          </p:cNvSpPr>
+          <p:nvPr>
+            <p:ph sz="half" idx="2"/>
+          </p:nvPr>
+        </p:nvSpPr>
+        <p:spPr/>
+        <p:txBody>
+          <a:bodyPr/>
+          <a:lstStyle/>
+          <a:p>
+            <a:pPr marL="0" indent="0" algn="ctr">
+              <a:buNone/>
+            </a:pPr>
+            <a:r>
+              <a:rPr lang="en-US" b="1" u="sng" dirty="0"/>
+              <a:t>Characters/Objects</a:t>
+            </a:r>
+          </a:p>
+          <a:p>
+            <a:pPr algn="ctr"/>
+            <a:r>
+              <a:rPr lang="en-US" dirty="0"/>
+              <a:t>Player</a:t>
+            </a:r>
+          </a:p>
+          <a:p>
+            <a:pPr algn="ctr"/>
+            <a:r>
+              <a:rPr lang="en-US" dirty="0"/>
+              <a:t>Stalker</a:t>
+            </a:r>
+          </a:p>
+          <a:p>
+            <a:pPr algn="ctr"/>
+            <a:r>
+              <a:rPr lang="en-US" dirty="0"/>
+              <a:t>Sword</a:t>
+            </a:r>
+          </a:p>
+        </p:txBody>
+      </p:sp>
+    </p:spTree>
+    <p:extLst>
+      <p:ext uri="{BB962C8B-B14F-4D97-AF65-F5344CB8AC3E}">
+        <p14:creationId xmlns:p14="http://schemas.microsoft.com/office/powerpoint/2010/main" val="3271518336"/>
+      </p:ext>
+    </p:extLst>
+  </p:cSld>
+  <p:clrMapOvr>
+    <a:masterClrMapping/>
+  </p:clrMapOvr>
+</p:sld>
+</file>
+
+<file path=ppt/slides/slide7.xml><?xml version="1.0" encoding="utf-8"?>
+<p:sld xmlns:a="http://schemas.openxmlformats.org/drawingml/2006/main" xmlns:r="http://schemas.openxmlformats.org/officeDocument/2006/relationships" xmlns:p="http://schemas.openxmlformats.org/presentationml/2006/main">
+  <p:cSld>
+    <p:spTree>
+      <p:nvGrpSpPr>
+        <p:cNvPr id="1" name=""/>
+        <p:cNvGrpSpPr/>
+        <p:nvPr/>
+      </p:nvGrpSpPr>
+      <p:grpSpPr>
+        <a:xfrm>
+          <a:off x="0" y="0"/>
+          <a:ext cx="0" cy="0"/>
+          <a:chOff x="0" y="0"/>
+          <a:chExt cx="0" cy="0"/>
+        </a:xfrm>
+      </p:grpSpPr>
+      <p:sp>
+        <p:nvSpPr>
+          <p:cNvPr id="2" name="Title 1">
+            <a:extLst>
+              <a:ext uri="{FF2B5EF4-FFF2-40B4-BE49-F238E27FC236}">
+                <a16:creationId xmlns:a16="http://schemas.microsoft.com/office/drawing/2014/main" id="{B500AB53-5E3F-4365-95F8-1AFEFA1EF27D}"/>
+              </a:ext>
+            </a:extLst>
+          </p:cNvPr>
+          <p:cNvSpPr>
+            <a:spLocks noGrp="1"/>
+          </p:cNvSpPr>
+          <p:nvPr>
+            <p:ph type="title"/>
+          </p:nvPr>
+        </p:nvSpPr>
+        <p:spPr/>
+        <p:txBody>
+          <a:bodyPr/>
+          <a:lstStyle/>
+          <a:p>
+            <a:pPr algn="ctr"/>
+            <a:r>
+              <a:rPr lang="en-US" dirty="0"/>
               <a:t>Hard</a:t>
             </a:r>
           </a:p>
@@ -4086,7 +4177,7 @@
 </p:sld>
 </file>
 
-<file path=ppt/slides/slide7.xml><?xml version="1.0" encoding="utf-8"?>
+<file path=ppt/slides/slide8.xml><?xml version="1.0" encoding="utf-8"?>
 <p:sld xmlns:a="http://schemas.openxmlformats.org/drawingml/2006/main" xmlns:r="http://schemas.openxmlformats.org/officeDocument/2006/relationships" xmlns:p="http://schemas.openxmlformats.org/presentationml/2006/main">
   <p:cSld>
     <p:spTree>

--- a/The Invisible Stalker.pptx
+++ b/The Invisible Stalker.pptx
@@ -3591,7 +3591,15 @@
             </a:pPr>
             <a:r>
               <a:rPr lang="en-US" dirty="0"/>
-              <a:t>The Invisible Stalker is a game that utilizes audio to locate an invisible enemy that is random placed on a grid. The player must locate the enemy and make their spaces overlap to beat the enemy. This game is turn based. At the start of each turn the enemy will move one square, making a sound relative to the floor material, while the player moves 2 squares. Depending on the player’s orientation, the sound will be heard from the left, right, front, or back. The player will use the direction of the sound and the material the sound resembles to determine the location of the enemy. If the player can’t find the enemy before running out of turns, the enemy escapes and the level ends.</a:t>
+              <a:t>The Invisible Stalker is a game that utilizes audio to locate an invisible enemy that is random placed on a grid. The player must locate the enemy and make their spaces overlap to beat the enemy. This game is turn based. At the start of each turn the enemy will move one square, making a sound relative to the floor material, while the player moves two squares </a:t>
+            </a:r>
+            <a:r>
+              <a:rPr lang="en-US"/>
+              <a:t>each turn. </a:t>
+            </a:r>
+            <a:r>
+              <a:rPr lang="en-US" dirty="0"/>
+              <a:t>Depending on the player’s orientation, the sound will be heard from the left, right, front, or back. The player will use the direction of the sound and the material the sound resembles to determine the location of the enemy. If the player can’t find the enemy before running out of turns, the enemy escapes and the level ends.</a:t>
             </a:r>
           </a:p>
         </p:txBody>
@@ -4239,7 +4247,12 @@
             <p:ph idx="1"/>
           </p:nvPr>
         </p:nvSpPr>
-        <p:spPr/>
+        <p:spPr>
+          <a:xfrm>
+            <a:off x="838200" y="1825625"/>
+            <a:ext cx="10515600" cy="4351338"/>
+          </a:xfrm>
+        </p:spPr>
         <p:txBody>
           <a:bodyPr/>
           <a:lstStyle/>
